--- a/社群媒體分析實務.pptx
+++ b/社群媒體分析實務.pptx
@@ -5,7 +5,7 @@
     <p:sldMasterId id="2147483708" r:id="rId1"/>
   </p:sldMasterIdLst>
   <p:notesMasterIdLst>
-    <p:notesMasterId r:id="rId12"/>
+    <p:notesMasterId r:id="rId15"/>
   </p:notesMasterIdLst>
   <p:sldIdLst>
     <p:sldId id="256" r:id="rId2"/>
@@ -18,6 +18,9 @@
     <p:sldId id="264" r:id="rId9"/>
     <p:sldId id="265" r:id="rId10"/>
     <p:sldId id="266" r:id="rId11"/>
+    <p:sldId id="267" r:id="rId12"/>
+    <p:sldId id="268" r:id="rId13"/>
+    <p:sldId id="269" r:id="rId14"/>
   </p:sldIdLst>
   <p:sldSz cx="12192000" cy="6858000"/>
   <p:notesSz cx="6858000" cy="9144000"/>
@@ -217,7 +220,7 @@
           <a:p>
             <a:fld id="{D7786414-7007-4326-A78F-0A343602DFDC}" type="datetimeFigureOut">
               <a:rPr lang="zh-TW" altLang="en-US" smtClean="0"/>
-              <a:t>2016/11/15</a:t>
+              <a:t>2016/12/7</a:t>
             </a:fld>
             <a:endParaRPr lang="zh-TW" altLang="en-US"/>
           </a:p>
@@ -568,6 +571,90 @@
 </p:notes>
 </file>
 
+<file path=ppt/notesSlides/notesSlide2.xml><?xml version="1.0" encoding="utf-8"?>
+<p:notes xmlns:a="http://schemas.openxmlformats.org/drawingml/2006/main" xmlns:r="http://schemas.openxmlformats.org/officeDocument/2006/relationships" xmlns:p="http://schemas.openxmlformats.org/presentationml/2006/main">
+  <p:cSld>
+    <p:spTree>
+      <p:nvGrpSpPr>
+        <p:cNvPr id="1" name=""/>
+        <p:cNvGrpSpPr/>
+        <p:nvPr/>
+      </p:nvGrpSpPr>
+      <p:grpSpPr>
+        <a:xfrm>
+          <a:off x="0" y="0"/>
+          <a:ext cx="0" cy="0"/>
+          <a:chOff x="0" y="0"/>
+          <a:chExt cx="0" cy="0"/>
+        </a:xfrm>
+      </p:grpSpPr>
+      <p:sp>
+        <p:nvSpPr>
+          <p:cNvPr id="2" name="投影片影像版面配置區 1"/>
+          <p:cNvSpPr>
+            <a:spLocks noGrp="1" noRot="1" noChangeAspect="1"/>
+          </p:cNvSpPr>
+          <p:nvPr>
+            <p:ph type="sldImg"/>
+          </p:nvPr>
+        </p:nvSpPr>
+        <p:spPr/>
+      </p:sp>
+      <p:sp>
+        <p:nvSpPr>
+          <p:cNvPr id="3" name="備忘稿版面配置區 2"/>
+          <p:cNvSpPr>
+            <a:spLocks noGrp="1"/>
+          </p:cNvSpPr>
+          <p:nvPr>
+            <p:ph type="body" idx="1"/>
+          </p:nvPr>
+        </p:nvSpPr>
+        <p:spPr/>
+        <p:txBody>
+          <a:bodyPr/>
+          <a:lstStyle/>
+          <a:p>
+            <a:endParaRPr lang="zh-TW" altLang="en-US" dirty="0"/>
+          </a:p>
+        </p:txBody>
+      </p:sp>
+      <p:sp>
+        <p:nvSpPr>
+          <p:cNvPr id="4" name="投影片編號版面配置區 3"/>
+          <p:cNvSpPr>
+            <a:spLocks noGrp="1"/>
+          </p:cNvSpPr>
+          <p:nvPr>
+            <p:ph type="sldNum" sz="quarter" idx="10"/>
+          </p:nvPr>
+        </p:nvSpPr>
+        <p:spPr/>
+        <p:txBody>
+          <a:bodyPr/>
+          <a:lstStyle/>
+          <a:p>
+            <a:fld id="{1ADC6C38-875B-411C-A7B9-4BA8435EED61}" type="slidenum">
+              <a:rPr lang="zh-TW" altLang="en-US" smtClean="0"/>
+              <a:t>12</a:t>
+            </a:fld>
+            <a:endParaRPr lang="zh-TW" altLang="en-US"/>
+          </a:p>
+        </p:txBody>
+      </p:sp>
+    </p:spTree>
+    <p:extLst>
+      <p:ext uri="{BB962C8B-B14F-4D97-AF65-F5344CB8AC3E}">
+        <p14:creationId xmlns:p14="http://schemas.microsoft.com/office/powerpoint/2010/main" val="4214042340"/>
+      </p:ext>
+    </p:extLst>
+  </p:cSld>
+  <p:clrMapOvr>
+    <a:masterClrMapping/>
+  </p:clrMapOvr>
+</p:notes>
+</file>
+
 <file path=ppt/slideLayouts/slideLayout1.xml><?xml version="1.0" encoding="utf-8"?>
 <p:sldLayout xmlns:a="http://schemas.openxmlformats.org/drawingml/2006/main" xmlns:r="http://schemas.openxmlformats.org/officeDocument/2006/relationships" xmlns:p="http://schemas.openxmlformats.org/presentationml/2006/main" showMasterSp="0" type="title" preserve="1">
   <p:cSld name="標題投影片">
@@ -711,7 +798,7 @@
           <a:p>
             <a:fld id="{181588D5-D8B2-4080-9F13-657729CDE968}" type="datetimeFigureOut">
               <a:rPr lang="zh-TW" altLang="en-US" smtClean="0"/>
-              <a:t>2016/11/15</a:t>
+              <a:t>2016/12/7</a:t>
             </a:fld>
             <a:endParaRPr lang="zh-TW" altLang="en-US"/>
           </a:p>
@@ -1070,7 +1157,7 @@
           <a:p>
             <a:fld id="{181588D5-D8B2-4080-9F13-657729CDE968}" type="datetimeFigureOut">
               <a:rPr lang="zh-TW" altLang="en-US" smtClean="0"/>
-              <a:t>2016/11/15</a:t>
+              <a:t>2016/12/7</a:t>
             </a:fld>
             <a:endParaRPr lang="zh-TW" altLang="en-US"/>
           </a:p>
@@ -1245,7 +1332,7 @@
           <a:p>
             <a:fld id="{181588D5-D8B2-4080-9F13-657729CDE968}" type="datetimeFigureOut">
               <a:rPr lang="zh-TW" altLang="en-US" smtClean="0"/>
-              <a:t>2016/11/15</a:t>
+              <a:t>2016/12/7</a:t>
             </a:fld>
             <a:endParaRPr lang="zh-TW" altLang="en-US"/>
           </a:p>
@@ -1480,7 +1567,7 @@
           <a:p>
             <a:fld id="{181588D5-D8B2-4080-9F13-657729CDE968}" type="datetimeFigureOut">
               <a:rPr lang="zh-TW" altLang="en-US" smtClean="0"/>
-              <a:t>2016/11/15</a:t>
+              <a:t>2016/12/7</a:t>
             </a:fld>
             <a:endParaRPr lang="zh-TW" altLang="en-US"/>
           </a:p>
@@ -1749,7 +1836,7 @@
           <a:p>
             <a:fld id="{181588D5-D8B2-4080-9F13-657729CDE968}" type="datetimeFigureOut">
               <a:rPr lang="zh-TW" altLang="en-US" smtClean="0"/>
-              <a:t>2016/11/15</a:t>
+              <a:t>2016/12/7</a:t>
             </a:fld>
             <a:endParaRPr lang="zh-TW" altLang="en-US"/>
           </a:p>
@@ -1969,7 +2056,7 @@
           <a:p>
             <a:fld id="{181588D5-D8B2-4080-9F13-657729CDE968}" type="datetimeFigureOut">
               <a:rPr lang="zh-TW" altLang="en-US" smtClean="0"/>
-              <a:t>2016/11/15</a:t>
+              <a:t>2016/12/7</a:t>
             </a:fld>
             <a:endParaRPr lang="zh-TW" altLang="en-US"/>
           </a:p>
@@ -2321,7 +2408,7 @@
           <a:p>
             <a:fld id="{181588D5-D8B2-4080-9F13-657729CDE968}" type="datetimeFigureOut">
               <a:rPr lang="zh-TW" altLang="en-US" smtClean="0"/>
-              <a:t>2016/11/15</a:t>
+              <a:t>2016/12/7</a:t>
             </a:fld>
             <a:endParaRPr lang="zh-TW" altLang="en-US"/>
           </a:p>
@@ -2553,7 +2640,7 @@
           <a:p>
             <a:fld id="{181588D5-D8B2-4080-9F13-657729CDE968}" type="datetimeFigureOut">
               <a:rPr lang="zh-TW" altLang="en-US" smtClean="0"/>
-              <a:t>2016/11/15</a:t>
+              <a:t>2016/12/7</a:t>
             </a:fld>
             <a:endParaRPr lang="zh-TW" altLang="en-US"/>
           </a:p>
@@ -2693,7 +2780,7 @@
           <a:p>
             <a:fld id="{181588D5-D8B2-4080-9F13-657729CDE968}" type="datetimeFigureOut">
               <a:rPr lang="zh-TW" altLang="en-US" smtClean="0"/>
-              <a:t>2016/11/15</a:t>
+              <a:t>2016/12/7</a:t>
             </a:fld>
             <a:endParaRPr lang="zh-TW" altLang="en-US"/>
           </a:p>
@@ -2970,7 +3057,7 @@
           <a:p>
             <a:fld id="{181588D5-D8B2-4080-9F13-657729CDE968}" type="datetimeFigureOut">
               <a:rPr lang="zh-TW" altLang="en-US" smtClean="0"/>
-              <a:t>2016/11/15</a:t>
+              <a:t>2016/12/7</a:t>
             </a:fld>
             <a:endParaRPr lang="zh-TW" altLang="en-US"/>
           </a:p>
@@ -3377,7 +3464,7 @@
           <a:p>
             <a:fld id="{181588D5-D8B2-4080-9F13-657729CDE968}" type="datetimeFigureOut">
               <a:rPr lang="zh-TW" altLang="en-US" smtClean="0"/>
-              <a:t>2016/11/15</a:t>
+              <a:t>2016/12/7</a:t>
             </a:fld>
             <a:endParaRPr lang="zh-TW" altLang="en-US"/>
           </a:p>
@@ -3715,7 +3802,7 @@
           <a:p>
             <a:fld id="{181588D5-D8B2-4080-9F13-657729CDE968}" type="datetimeFigureOut">
               <a:rPr lang="zh-TW" altLang="en-US" smtClean="0"/>
-              <a:t>2016/11/15</a:t>
+              <a:t>2016/12/7</a:t>
             </a:fld>
             <a:endParaRPr lang="zh-TW" altLang="en-US"/>
           </a:p>
@@ -4384,7 +4471,6 @@
               <a:rPr lang="zh-TW" altLang="en-US" dirty="0"/>
               <a:t>分析</a:t>
             </a:r>
-            <a:endParaRPr lang="zh-TW" altLang="en-US" dirty="0"/>
           </a:p>
         </p:txBody>
       </p:sp>
@@ -4493,6 +4579,618 @@
     <p:extLst>
       <p:ext uri="{BB962C8B-B14F-4D97-AF65-F5344CB8AC3E}">
         <p14:creationId xmlns:p14="http://schemas.microsoft.com/office/powerpoint/2010/main" val="1975857909"/>
+      </p:ext>
+    </p:extLst>
+  </p:cSld>
+  <p:clrMapOvr>
+    <a:masterClrMapping/>
+  </p:clrMapOvr>
+</p:sld>
+</file>
+
+<file path=ppt/slides/slide11.xml><?xml version="1.0" encoding="utf-8"?>
+<p:sld xmlns:a="http://schemas.openxmlformats.org/drawingml/2006/main" xmlns:r="http://schemas.openxmlformats.org/officeDocument/2006/relationships" xmlns:p="http://schemas.openxmlformats.org/presentationml/2006/main">
+  <p:cSld>
+    <p:spTree>
+      <p:nvGrpSpPr>
+        <p:cNvPr id="1" name=""/>
+        <p:cNvGrpSpPr/>
+        <p:nvPr/>
+      </p:nvGrpSpPr>
+      <p:grpSpPr>
+        <a:xfrm>
+          <a:off x="0" y="0"/>
+          <a:ext cx="0" cy="0"/>
+          <a:chOff x="0" y="0"/>
+          <a:chExt cx="0" cy="0"/>
+        </a:xfrm>
+      </p:grpSpPr>
+      <p:sp>
+        <p:nvSpPr>
+          <p:cNvPr id="2" name="標題 1"/>
+          <p:cNvSpPr>
+            <a:spLocks noGrp="1"/>
+          </p:cNvSpPr>
+          <p:nvPr>
+            <p:ph type="title"/>
+          </p:nvPr>
+        </p:nvSpPr>
+        <p:spPr/>
+        <p:txBody>
+          <a:bodyPr/>
+          <a:lstStyle/>
+          <a:p>
+            <a:r>
+              <a:rPr lang="en-US" altLang="zh-TW" dirty="0"/>
+              <a:t>Twitter</a:t>
+            </a:r>
+            <a:r>
+              <a:rPr lang="zh-TW" altLang="en-US" dirty="0"/>
+              <a:t>分析</a:t>
+            </a:r>
+            <a:r>
+              <a:rPr lang="en-US" altLang="zh-TW" dirty="0"/>
+              <a:t>-</a:t>
+            </a:r>
+            <a:r>
+              <a:rPr lang="zh-TW" altLang="en-US" dirty="0"/>
+              <a:t>決策樹</a:t>
+            </a:r>
+          </a:p>
+        </p:txBody>
+      </p:sp>
+      <p:sp>
+        <p:nvSpPr>
+          <p:cNvPr id="3" name="內容版面配置區 2"/>
+          <p:cNvSpPr>
+            <a:spLocks noGrp="1"/>
+          </p:cNvSpPr>
+          <p:nvPr>
+            <p:ph sz="quarter" idx="1"/>
+          </p:nvPr>
+        </p:nvSpPr>
+        <p:spPr>
+          <a:xfrm>
+            <a:off x="609600" y="1219199"/>
+            <a:ext cx="10972800" cy="5083947"/>
+          </a:xfrm>
+        </p:spPr>
+        <p:txBody>
+          <a:bodyPr>
+            <a:normAutofit lnSpcReduction="10000"/>
+          </a:bodyPr>
+          <a:lstStyle/>
+          <a:p>
+            <a:r>
+              <a:rPr lang="zh-TW" altLang="en-US" dirty="0"/>
+              <a:t>帳號數</a:t>
+            </a:r>
+            <a:r>
+              <a:rPr lang="en-US" altLang="zh-TW" dirty="0"/>
+              <a:t>:</a:t>
+            </a:r>
+          </a:p>
+          <a:p>
+            <a:pPr lvl="1"/>
+            <a:r>
+              <a:rPr lang="en-US" altLang="zh-TW" dirty="0"/>
+              <a:t>83</a:t>
+            </a:r>
+          </a:p>
+          <a:p>
+            <a:r>
+              <a:rPr lang="zh-TW" altLang="en-US" dirty="0"/>
+              <a:t>關鍵字</a:t>
+            </a:r>
+            <a:r>
+              <a:rPr lang="en-US" altLang="zh-TW" dirty="0"/>
+              <a:t>:</a:t>
+            </a:r>
+          </a:p>
+          <a:p>
+            <a:pPr lvl="1"/>
+            <a:r>
+              <a:rPr lang="en-US" altLang="zh-TW" dirty="0"/>
+              <a:t>CVE</a:t>
+            </a:r>
+            <a:r>
+              <a:rPr lang="zh-TW" altLang="en-US" dirty="0"/>
+              <a:t>、</a:t>
+            </a:r>
+            <a:r>
+              <a:rPr lang="en-US" altLang="zh-TW" dirty="0"/>
+              <a:t>Vulnerability</a:t>
+            </a:r>
+            <a:r>
+              <a:rPr lang="zh-TW" altLang="en-US" dirty="0"/>
+              <a:t>、 </a:t>
+            </a:r>
+            <a:r>
+              <a:rPr lang="en-US" altLang="zh-TW" dirty="0"/>
+              <a:t>Exploit</a:t>
+            </a:r>
+            <a:r>
+              <a:rPr lang="zh-TW" altLang="en-US" dirty="0"/>
+              <a:t>、</a:t>
+            </a:r>
+            <a:r>
+              <a:rPr lang="en-US" altLang="zh-TW" dirty="0"/>
+              <a:t>Vulnerable</a:t>
+            </a:r>
+          </a:p>
+          <a:p>
+            <a:r>
+              <a:rPr lang="zh-TW" altLang="en-US" dirty="0"/>
+              <a:t>蒐集時間範圍</a:t>
+            </a:r>
+            <a:r>
+              <a:rPr lang="en-US" altLang="zh-TW" dirty="0"/>
+              <a:t>:</a:t>
+            </a:r>
+          </a:p>
+          <a:p>
+            <a:pPr lvl="1"/>
+            <a:r>
+              <a:rPr lang="en-US" altLang="zh-TW" dirty="0"/>
+              <a:t>”Wed Jan 01 00:00:00 +0000 2014”~”Wed Dec 01 23:59:59 +0000 2014”</a:t>
+            </a:r>
+          </a:p>
+          <a:p>
+            <a:r>
+              <a:rPr lang="zh-TW" altLang="en-US" dirty="0"/>
+              <a:t>帳號標籤</a:t>
+            </a:r>
+            <a:endParaRPr lang="en-US" altLang="zh-TW" dirty="0"/>
+          </a:p>
+          <a:p>
+            <a:pPr lvl="1"/>
+            <a:r>
+              <a:rPr lang="en-US" altLang="zh-TW" dirty="0"/>
+              <a:t>few</a:t>
+            </a:r>
+            <a:r>
+              <a:rPr lang="zh-TW" altLang="en-US" dirty="0"/>
+              <a:t>、</a:t>
+            </a:r>
+            <a:r>
+              <a:rPr lang="en-US" altLang="zh-TW" dirty="0"/>
+              <a:t>normal</a:t>
+            </a:r>
+            <a:r>
+              <a:rPr lang="zh-TW" altLang="en-US" dirty="0"/>
+              <a:t>、</a:t>
+            </a:r>
+            <a:r>
+              <a:rPr lang="en-US" altLang="zh-TW" dirty="0"/>
+              <a:t>lot</a:t>
+            </a:r>
+          </a:p>
+          <a:p>
+            <a:pPr lvl="1"/>
+            <a:r>
+              <a:rPr lang="en-US" altLang="zh-TW" dirty="0"/>
+              <a:t>lot:</a:t>
+            </a:r>
+            <a:r>
+              <a:rPr lang="zh-TW" altLang="en-US" dirty="0"/>
+              <a:t>包含各關鍵字的</a:t>
+            </a:r>
+            <a:r>
+              <a:rPr lang="en-US" altLang="zh-TW" dirty="0"/>
+              <a:t>tweet</a:t>
+            </a:r>
+            <a:r>
+              <a:rPr lang="zh-TW" altLang="en-US" dirty="0"/>
+              <a:t>不為</a:t>
+            </a:r>
+            <a:r>
+              <a:rPr lang="en-US" altLang="zh-TW" dirty="0"/>
+              <a:t>0</a:t>
+            </a:r>
+            <a:r>
+              <a:rPr lang="zh-TW" altLang="en-US" dirty="0"/>
+              <a:t>，且</a:t>
+            </a:r>
+            <a:r>
+              <a:rPr lang="en-US" altLang="zh-TW" dirty="0"/>
+              <a:t>tweet</a:t>
+            </a:r>
+            <a:r>
+              <a:rPr lang="zh-TW" altLang="en-US" dirty="0"/>
+              <a:t>數大於</a:t>
+            </a:r>
+            <a:r>
+              <a:rPr lang="en-US" altLang="zh-TW" dirty="0"/>
+              <a:t>3/2</a:t>
+            </a:r>
+            <a:r>
+              <a:rPr lang="zh-TW" altLang="en-US" dirty="0"/>
+              <a:t>平均</a:t>
+            </a:r>
+            <a:r>
+              <a:rPr lang="en-US" altLang="zh-TW" dirty="0"/>
+              <a:t>tweet</a:t>
+            </a:r>
+            <a:r>
+              <a:rPr lang="zh-TW" altLang="en-US" dirty="0"/>
+              <a:t>數</a:t>
+            </a:r>
+            <a:endParaRPr lang="en-US" altLang="zh-TW" dirty="0"/>
+          </a:p>
+          <a:p>
+            <a:pPr lvl="1"/>
+            <a:r>
+              <a:rPr lang="en-US" altLang="zh-TW" dirty="0"/>
+              <a:t>normal:</a:t>
+            </a:r>
+            <a:r>
+              <a:rPr lang="zh-TW" altLang="en-US" dirty="0"/>
+              <a:t>包含各關鍵字的</a:t>
+            </a:r>
+            <a:r>
+              <a:rPr lang="en-US" altLang="zh-TW" dirty="0"/>
+              <a:t>tweet</a:t>
+            </a:r>
+            <a:r>
+              <a:rPr lang="zh-TW" altLang="en-US" dirty="0"/>
+              <a:t>不為</a:t>
+            </a:r>
+            <a:r>
+              <a:rPr lang="en-US" altLang="zh-TW" dirty="0"/>
+              <a:t>0</a:t>
+            </a:r>
+            <a:r>
+              <a:rPr lang="zh-TW" altLang="en-US" dirty="0"/>
+              <a:t>，且</a:t>
+            </a:r>
+            <a:r>
+              <a:rPr lang="en-US" altLang="zh-TW" dirty="0"/>
+              <a:t>tweet</a:t>
+            </a:r>
+            <a:r>
+              <a:rPr lang="zh-TW" altLang="en-US" dirty="0"/>
+              <a:t>數不大於</a:t>
+            </a:r>
+            <a:r>
+              <a:rPr lang="en-US" altLang="zh-TW" dirty="0"/>
+              <a:t>3/2</a:t>
+            </a:r>
+            <a:r>
+              <a:rPr lang="zh-TW" altLang="en-US" dirty="0"/>
+              <a:t>平均</a:t>
+            </a:r>
+            <a:r>
+              <a:rPr lang="en-US" altLang="zh-TW" dirty="0"/>
+              <a:t>tweet</a:t>
+            </a:r>
+            <a:r>
+              <a:rPr lang="zh-TW" altLang="en-US" dirty="0"/>
+              <a:t>數，但大於</a:t>
+            </a:r>
+            <a:r>
+              <a:rPr lang="en-US" altLang="zh-TW" dirty="0"/>
+              <a:t>	</a:t>
+            </a:r>
+            <a:r>
+              <a:rPr lang="zh-TW" altLang="en-US" dirty="0"/>
+              <a:t>       </a:t>
+            </a:r>
+            <a:r>
+              <a:rPr lang="en-US" altLang="zh-TW" dirty="0"/>
+              <a:t>1/2</a:t>
+            </a:r>
+            <a:r>
+              <a:rPr lang="zh-TW" altLang="en-US" dirty="0"/>
+              <a:t>平均</a:t>
+            </a:r>
+            <a:r>
+              <a:rPr lang="en-US" altLang="zh-TW" dirty="0"/>
+              <a:t>tweet</a:t>
+            </a:r>
+            <a:r>
+              <a:rPr lang="zh-TW" altLang="en-US" dirty="0"/>
+              <a:t>數</a:t>
+            </a:r>
+            <a:endParaRPr lang="en-US" altLang="zh-TW" dirty="0"/>
+          </a:p>
+          <a:p>
+            <a:pPr lvl="1"/>
+            <a:r>
+              <a:rPr lang="en-US" altLang="zh-TW" dirty="0"/>
+              <a:t>few:</a:t>
+            </a:r>
+            <a:r>
+              <a:rPr lang="zh-TW" altLang="en-US" dirty="0"/>
+              <a:t>包含任一關鍵字的</a:t>
+            </a:r>
+            <a:r>
+              <a:rPr lang="en-US" altLang="zh-TW" dirty="0"/>
+              <a:t>tweet</a:t>
+            </a:r>
+            <a:r>
+              <a:rPr lang="zh-TW" altLang="en-US" dirty="0"/>
+              <a:t>可能為</a:t>
+            </a:r>
+            <a:r>
+              <a:rPr lang="en-US" altLang="zh-TW" dirty="0"/>
+              <a:t>0</a:t>
+            </a:r>
+            <a:r>
+              <a:rPr lang="zh-TW" altLang="en-US" dirty="0"/>
+              <a:t>，或</a:t>
+            </a:r>
+            <a:r>
+              <a:rPr lang="en-US" altLang="zh-TW" dirty="0"/>
+              <a:t>tweet</a:t>
+            </a:r>
+            <a:r>
+              <a:rPr lang="zh-TW" altLang="en-US" dirty="0"/>
+              <a:t>數不大於</a:t>
+            </a:r>
+            <a:r>
+              <a:rPr lang="en-US" altLang="zh-TW" dirty="0"/>
+              <a:t>1/2</a:t>
+            </a:r>
+            <a:r>
+              <a:rPr lang="zh-TW" altLang="en-US" dirty="0"/>
+              <a:t>平均</a:t>
+            </a:r>
+            <a:r>
+              <a:rPr lang="en-US" altLang="zh-TW" dirty="0"/>
+              <a:t>tweet</a:t>
+            </a:r>
+            <a:r>
+              <a:rPr lang="zh-TW" altLang="en-US" dirty="0"/>
+              <a:t>數</a:t>
+            </a:r>
+            <a:endParaRPr lang="en-US" altLang="zh-TW" dirty="0"/>
+          </a:p>
+          <a:p>
+            <a:pPr lvl="1"/>
+            <a:endParaRPr lang="en-US" altLang="zh-TW" dirty="0"/>
+          </a:p>
+        </p:txBody>
+      </p:sp>
+    </p:spTree>
+    <p:extLst>
+      <p:ext uri="{BB962C8B-B14F-4D97-AF65-F5344CB8AC3E}">
+        <p14:creationId xmlns:p14="http://schemas.microsoft.com/office/powerpoint/2010/main" val="1781154971"/>
+      </p:ext>
+    </p:extLst>
+  </p:cSld>
+  <p:clrMapOvr>
+    <a:masterClrMapping/>
+  </p:clrMapOvr>
+</p:sld>
+</file>
+
+<file path=ppt/slides/slide12.xml><?xml version="1.0" encoding="utf-8"?>
+<p:sld xmlns:a="http://schemas.openxmlformats.org/drawingml/2006/main" xmlns:r="http://schemas.openxmlformats.org/officeDocument/2006/relationships" xmlns:p="http://schemas.openxmlformats.org/presentationml/2006/main">
+  <p:cSld>
+    <p:spTree>
+      <p:nvGrpSpPr>
+        <p:cNvPr id="1" name=""/>
+        <p:cNvGrpSpPr/>
+        <p:nvPr/>
+      </p:nvGrpSpPr>
+      <p:grpSpPr>
+        <a:xfrm>
+          <a:off x="0" y="0"/>
+          <a:ext cx="0" cy="0"/>
+          <a:chOff x="0" y="0"/>
+          <a:chExt cx="0" cy="0"/>
+        </a:xfrm>
+      </p:grpSpPr>
+      <p:sp>
+        <p:nvSpPr>
+          <p:cNvPr id="2" name="標題 1"/>
+          <p:cNvSpPr>
+            <a:spLocks noGrp="1"/>
+          </p:cNvSpPr>
+          <p:nvPr>
+            <p:ph type="title"/>
+          </p:nvPr>
+        </p:nvSpPr>
+        <p:spPr/>
+        <p:txBody>
+          <a:bodyPr/>
+          <a:lstStyle/>
+          <a:p>
+            <a:r>
+              <a:rPr lang="en-US" altLang="zh-TW" dirty="0"/>
+              <a:t>Twitter</a:t>
+            </a:r>
+            <a:r>
+              <a:rPr lang="zh-TW" altLang="en-US" dirty="0"/>
+              <a:t>分析</a:t>
+            </a:r>
+            <a:r>
+              <a:rPr lang="en-US" altLang="zh-TW" dirty="0"/>
+              <a:t>-</a:t>
+            </a:r>
+            <a:r>
+              <a:rPr lang="zh-TW" altLang="en-US" dirty="0"/>
+              <a:t>決策樹</a:t>
+            </a:r>
+          </a:p>
+        </p:txBody>
+      </p:sp>
+      <p:pic>
+        <p:nvPicPr>
+          <p:cNvPr id="7" name="圖片 6"/>
+          <p:cNvPicPr>
+            <a:picLocks noChangeAspect="1"/>
+          </p:cNvPicPr>
+          <p:nvPr/>
+        </p:nvPicPr>
+        <p:blipFill>
+          <a:blip r:embed="rId3">
+            <a:extLst>
+              <a:ext uri="{28A0092B-C50C-407E-A947-70E740481C1C}">
+                <a14:useLocalDpi xmlns:a14="http://schemas.microsoft.com/office/drawing/2010/main" val="0"/>
+              </a:ext>
+            </a:extLst>
+          </a:blip>
+          <a:stretch>
+            <a:fillRect/>
+          </a:stretch>
+        </p:blipFill>
+        <p:spPr>
+          <a:xfrm>
+            <a:off x="2414726" y="1493154"/>
+            <a:ext cx="6587231" cy="4520649"/>
+          </a:xfrm>
+          <a:prstGeom prst="rect">
+            <a:avLst/>
+          </a:prstGeom>
+        </p:spPr>
+      </p:pic>
+      <p:sp>
+        <p:nvSpPr>
+          <p:cNvPr id="9" name="內容版面配置區 8"/>
+          <p:cNvSpPr>
+            <a:spLocks noGrp="1"/>
+          </p:cNvSpPr>
+          <p:nvPr>
+            <p:ph sz="quarter" idx="1"/>
+          </p:nvPr>
+        </p:nvSpPr>
+        <p:spPr/>
+        <p:txBody>
+          <a:bodyPr/>
+          <a:lstStyle/>
+          <a:p>
+            <a:endParaRPr lang="zh-TW" altLang="en-US" dirty="0"/>
+          </a:p>
+        </p:txBody>
+      </p:sp>
+    </p:spTree>
+    <p:extLst>
+      <p:ext uri="{BB962C8B-B14F-4D97-AF65-F5344CB8AC3E}">
+        <p14:creationId xmlns:p14="http://schemas.microsoft.com/office/powerpoint/2010/main" val="10430223"/>
+      </p:ext>
+    </p:extLst>
+  </p:cSld>
+  <p:clrMapOvr>
+    <a:masterClrMapping/>
+  </p:clrMapOvr>
+</p:sld>
+</file>
+
+<file path=ppt/slides/slide13.xml><?xml version="1.0" encoding="utf-8"?>
+<p:sld xmlns:a="http://schemas.openxmlformats.org/drawingml/2006/main" xmlns:r="http://schemas.openxmlformats.org/officeDocument/2006/relationships" xmlns:p="http://schemas.openxmlformats.org/presentationml/2006/main">
+  <p:cSld>
+    <p:spTree>
+      <p:nvGrpSpPr>
+        <p:cNvPr id="1" name=""/>
+        <p:cNvGrpSpPr/>
+        <p:nvPr/>
+      </p:nvGrpSpPr>
+      <p:grpSpPr>
+        <a:xfrm>
+          <a:off x="0" y="0"/>
+          <a:ext cx="0" cy="0"/>
+          <a:chOff x="0" y="0"/>
+          <a:chExt cx="0" cy="0"/>
+        </a:xfrm>
+      </p:grpSpPr>
+      <p:sp>
+        <p:nvSpPr>
+          <p:cNvPr id="2" name="標題 1"/>
+          <p:cNvSpPr>
+            <a:spLocks noGrp="1"/>
+          </p:cNvSpPr>
+          <p:nvPr>
+            <p:ph type="title"/>
+          </p:nvPr>
+        </p:nvSpPr>
+        <p:spPr/>
+        <p:txBody>
+          <a:bodyPr/>
+          <a:lstStyle/>
+          <a:p>
+            <a:r>
+              <a:rPr lang="en-US" altLang="zh-TW" dirty="0"/>
+              <a:t>Twitter</a:t>
+            </a:r>
+            <a:r>
+              <a:rPr lang="zh-TW" altLang="en-US" dirty="0"/>
+              <a:t>分析</a:t>
+            </a:r>
+            <a:r>
+              <a:rPr lang="en-US" altLang="zh-TW" dirty="0"/>
+              <a:t>-</a:t>
+            </a:r>
+            <a:r>
+              <a:rPr lang="zh-TW" altLang="en-US" dirty="0"/>
+              <a:t>決策樹</a:t>
+            </a:r>
+          </a:p>
+        </p:txBody>
+      </p:sp>
+      <p:pic>
+        <p:nvPicPr>
+          <p:cNvPr id="4" name="內容版面配置區 3"/>
+          <p:cNvPicPr>
+            <a:picLocks noGrp="1" noChangeAspect="1"/>
+          </p:cNvPicPr>
+          <p:nvPr>
+            <p:ph sz="quarter" idx="1"/>
+          </p:nvPr>
+        </p:nvPicPr>
+        <p:blipFill>
+          <a:blip r:embed="rId2">
+            <a:extLst>
+              <a:ext uri="{28A0092B-C50C-407E-A947-70E740481C1C}">
+                <a14:useLocalDpi xmlns:a14="http://schemas.microsoft.com/office/drawing/2010/main" val="0"/>
+              </a:ext>
+            </a:extLst>
+          </a:blip>
+          <a:stretch>
+            <a:fillRect/>
+          </a:stretch>
+        </p:blipFill>
+        <p:spPr>
+          <a:xfrm>
+            <a:off x="2832440" y="2024109"/>
+            <a:ext cx="5728128" cy="4313776"/>
+          </a:xfrm>
+        </p:spPr>
+      </p:pic>
+      <p:pic>
+        <p:nvPicPr>
+          <p:cNvPr id="5" name="內容版面配置區 5"/>
+          <p:cNvPicPr>
+            <a:picLocks noChangeAspect="1"/>
+          </p:cNvPicPr>
+          <p:nvPr/>
+        </p:nvPicPr>
+        <p:blipFill>
+          <a:blip r:embed="rId3">
+            <a:extLst>
+              <a:ext uri="{28A0092B-C50C-407E-A947-70E740481C1C}">
+                <a14:useLocalDpi xmlns:a14="http://schemas.microsoft.com/office/drawing/2010/main" val="0"/>
+              </a:ext>
+            </a:extLst>
+          </a:blip>
+          <a:stretch>
+            <a:fillRect/>
+          </a:stretch>
+        </p:blipFill>
+        <p:spPr>
+          <a:xfrm>
+            <a:off x="2035160" y="1388537"/>
+            <a:ext cx="8121680" cy="731844"/>
+          </a:xfrm>
+          <a:prstGeom prst="rect">
+            <a:avLst/>
+          </a:prstGeom>
+        </p:spPr>
+      </p:pic>
+    </p:spTree>
+    <p:extLst>
+      <p:ext uri="{BB962C8B-B14F-4D97-AF65-F5344CB8AC3E}">
+        <p14:creationId xmlns:p14="http://schemas.microsoft.com/office/powerpoint/2010/main" val="2759643430"/>
       </p:ext>
     </p:extLst>
   </p:cSld>
@@ -4538,7 +5236,6 @@
               <a:rPr lang="zh-TW" altLang="en-US" dirty="0"/>
               <a:t>建構個人資料分析平台</a:t>
             </a:r>
-            <a:endParaRPr lang="zh-TW" altLang="en-US" dirty="0"/>
           </a:p>
         </p:txBody>
       </p:sp>
@@ -4663,7 +5360,6 @@
               <a:rPr lang="zh-TW" altLang="en-US" dirty="0"/>
               <a:t>建構個人資料分析平台</a:t>
             </a:r>
-            <a:endParaRPr lang="zh-TW" altLang="en-US" dirty="0"/>
           </a:p>
         </p:txBody>
       </p:sp>
@@ -4939,7 +5635,6 @@
               <a:rPr lang="zh-TW" altLang="en-US" dirty="0"/>
               <a:t>建構個人資料分析平台</a:t>
             </a:r>
-            <a:endParaRPr lang="zh-TW" altLang="en-US" dirty="0"/>
           </a:p>
         </p:txBody>
       </p:sp>
@@ -5338,7 +6033,6 @@
               <a:rPr lang="zh-TW" altLang="en-US" dirty="0"/>
               <a:t>分析</a:t>
             </a:r>
-            <a:endParaRPr lang="zh-TW" altLang="en-US" dirty="0"/>
           </a:p>
         </p:txBody>
       </p:sp>
@@ -5531,7 +6225,6 @@
               <a:rPr lang="zh-TW" altLang="en-US" dirty="0"/>
               <a:t>分析</a:t>
             </a:r>
-            <a:endParaRPr lang="zh-TW" altLang="en-US" dirty="0"/>
           </a:p>
         </p:txBody>
       </p:sp>
@@ -5660,7 +6353,6 @@
               <a:rPr lang="zh-TW" altLang="en-US" dirty="0"/>
               <a:t>分析</a:t>
             </a:r>
-            <a:endParaRPr lang="zh-TW" altLang="en-US" dirty="0"/>
           </a:p>
         </p:txBody>
       </p:sp>
@@ -5789,7 +6481,6 @@
               <a:rPr lang="zh-TW" altLang="en-US" dirty="0"/>
               <a:t>分析</a:t>
             </a:r>
-            <a:endParaRPr lang="zh-TW" altLang="en-US" dirty="0"/>
           </a:p>
         </p:txBody>
       </p:sp>
@@ -5934,7 +6625,6 @@
               <a:rPr lang="zh-TW" altLang="en-US" dirty="0"/>
               <a:t>分析</a:t>
             </a:r>
-            <a:endParaRPr lang="zh-TW" altLang="en-US" dirty="0"/>
           </a:p>
         </p:txBody>
       </p:sp>
